--- a/slides/instruction/principleWindows_5.pptx
+++ b/slides/instruction/principleWindows_5.pptx
@@ -16875,7 +16875,7 @@
           <a:p>
             <a:fld id="{62B690D2-9F6C-4A40-B045-5871089CDE7B}" type="datetimeFigureOut">
               <a:rPr lang="zh-CN" altLang="en-US" smtClean="0"/>
-              <a:t>2022/10/28</a:t>
+              <a:t>2023/10/18</a:t>
             </a:fld>
             <a:endParaRPr lang="zh-CN" altLang="en-US"/>
           </a:p>
@@ -22513,7 +22513,7 @@
             <a:pPr lvl="0" algn="l"/>
             <a:r>
               <a:rPr lang="en-US" sz="1000" dirty="0"/>
-              <a:t>FALL 2022</a:t>
+              <a:t>FALL 2023</a:t>
             </a:r>
           </a:p>
         </p:txBody>

--- a/slides/instruction/principleWindows_5.pptx
+++ b/slides/instruction/principleWindows_5.pptx
@@ -13,9 +13,9 @@
     <p:sldId id="504" r:id="rId4"/>
     <p:sldId id="317" r:id="rId5"/>
     <p:sldId id="366" r:id="rId6"/>
-    <p:sldId id="511" r:id="rId7"/>
-    <p:sldId id="345" r:id="rId8"/>
-    <p:sldId id="347" r:id="rId9"/>
+    <p:sldId id="347" r:id="rId7"/>
+    <p:sldId id="511" r:id="rId8"/>
+    <p:sldId id="345" r:id="rId9"/>
     <p:sldId id="346" r:id="rId10"/>
     <p:sldId id="348" r:id="rId11"/>
     <p:sldId id="349" r:id="rId12"/>
@@ -16875,7 +16875,7 @@
           <a:p>
             <a:fld id="{62B690D2-9F6C-4A40-B045-5871089CDE7B}" type="datetimeFigureOut">
               <a:rPr lang="zh-CN" altLang="en-US" smtClean="0"/>
-              <a:t>2023/10/18</a:t>
+              <a:t>2023/11/9</a:t>
             </a:fld>
             <a:endParaRPr lang="zh-CN" altLang="en-US"/>
           </a:p>
@@ -17270,6 +17270,94 @@
           <a:bodyPr/>
           <a:lstStyle/>
           <a:p>
+            <a:r>
+              <a:rPr lang="en-US" altLang="zh-CN" dirty="0"/>
+              <a:t>https://docs.microsoft.com/en-us/windows/win32/sysinfo/registry-element-size-limits</a:t>
+            </a:r>
+            <a:endParaRPr lang="zh-CN" altLang="en-US" dirty="0"/>
+          </a:p>
+        </p:txBody>
+      </p:sp>
+      <p:sp>
+        <p:nvSpPr>
+          <p:cNvPr id="4" name="灯片编号占位符 3"/>
+          <p:cNvSpPr>
+            <a:spLocks noGrp="1"/>
+          </p:cNvSpPr>
+          <p:nvPr>
+            <p:ph type="sldNum" sz="quarter" idx="5"/>
+          </p:nvPr>
+        </p:nvSpPr>
+        <p:spPr/>
+        <p:txBody>
+          <a:bodyPr/>
+          <a:lstStyle/>
+          <a:p>
+            <a:fld id="{FF6B7014-1CA7-42FF-9E69-87C27AE33F47}" type="slidenum">
+              <a:rPr lang="zh-CN" altLang="en-US" smtClean="0"/>
+              <a:t>13</a:t>
+            </a:fld>
+            <a:endParaRPr lang="zh-CN" altLang="en-US"/>
+          </a:p>
+        </p:txBody>
+      </p:sp>
+    </p:spTree>
+    <p:extLst>
+      <p:ext uri="{BB962C8B-B14F-4D97-AF65-F5344CB8AC3E}">
+        <p14:creationId xmlns:p14="http://schemas.microsoft.com/office/powerpoint/2010/main" val="4018149207"/>
+      </p:ext>
+    </p:extLst>
+  </p:cSld>
+  <p:clrMapOvr>
+    <a:masterClrMapping/>
+  </p:clrMapOvr>
+</p:notes>
+</file>
+
+<file path=ppt/notesSlides/notesSlide11.xml><?xml version="1.0" encoding="utf-8"?>
+<p:notes xmlns:a="http://schemas.openxmlformats.org/drawingml/2006/main" xmlns:r="http://schemas.openxmlformats.org/officeDocument/2006/relationships" xmlns:p="http://schemas.openxmlformats.org/presentationml/2006/main">
+  <p:cSld>
+    <p:spTree>
+      <p:nvGrpSpPr>
+        <p:cNvPr id="1" name=""/>
+        <p:cNvGrpSpPr/>
+        <p:nvPr/>
+      </p:nvGrpSpPr>
+      <p:grpSpPr>
+        <a:xfrm>
+          <a:off x="0" y="0"/>
+          <a:ext cx="0" cy="0"/>
+          <a:chOff x="0" y="0"/>
+          <a:chExt cx="0" cy="0"/>
+        </a:xfrm>
+      </p:grpSpPr>
+      <p:sp>
+        <p:nvSpPr>
+          <p:cNvPr id="2" name="幻灯片图像占位符 1"/>
+          <p:cNvSpPr>
+            <a:spLocks noGrp="1" noRot="1" noChangeAspect="1"/>
+          </p:cNvSpPr>
+          <p:nvPr>
+            <p:ph type="sldImg"/>
+          </p:nvPr>
+        </p:nvSpPr>
+        <p:spPr/>
+      </p:sp>
+      <p:sp>
+        <p:nvSpPr>
+          <p:cNvPr id="3" name="备注占位符 2"/>
+          <p:cNvSpPr>
+            <a:spLocks noGrp="1"/>
+          </p:cNvSpPr>
+          <p:nvPr>
+            <p:ph type="body" idx="1"/>
+          </p:nvPr>
+        </p:nvSpPr>
+        <p:spPr/>
+        <p:txBody>
+          <a:bodyPr/>
+          <a:lstStyle/>
+          <a:p>
             <a:endParaRPr lang="zh-CN" altLang="en-US" dirty="0"/>
           </a:p>
         </p:txBody>
@@ -17310,7 +17398,7 @@
 </p:notes>
 </file>
 
-<file path=ppt/notesSlides/notesSlide11.xml><?xml version="1.0" encoding="utf-8"?>
+<file path=ppt/notesSlides/notesSlide12.xml><?xml version="1.0" encoding="utf-8"?>
 <p:notes xmlns:a="http://schemas.openxmlformats.org/drawingml/2006/main" xmlns:r="http://schemas.openxmlformats.org/officeDocument/2006/relationships" xmlns:p="http://schemas.openxmlformats.org/presentationml/2006/main">
   <p:cSld>
     <p:spTree>
@@ -17394,7 +17482,7 @@
 </p:notes>
 </file>
 
-<file path=ppt/notesSlides/notesSlide12.xml><?xml version="1.0" encoding="utf-8"?>
+<file path=ppt/notesSlides/notesSlide13.xml><?xml version="1.0" encoding="utf-8"?>
 <p:notes xmlns:a="http://schemas.openxmlformats.org/drawingml/2006/main" xmlns:r="http://schemas.openxmlformats.org/officeDocument/2006/relationships" xmlns:p="http://schemas.openxmlformats.org/presentationml/2006/main">
   <p:cSld>
     <p:spTree>
@@ -17478,7 +17566,7 @@
 </p:notes>
 </file>
 
-<file path=ppt/notesSlides/notesSlide13.xml><?xml version="1.0" encoding="utf-8"?>
+<file path=ppt/notesSlides/notesSlide14.xml><?xml version="1.0" encoding="utf-8"?>
 <p:notes xmlns:a="http://schemas.openxmlformats.org/drawingml/2006/main" xmlns:r="http://schemas.openxmlformats.org/officeDocument/2006/relationships" xmlns:p="http://schemas.openxmlformats.org/presentationml/2006/main">
   <p:cSld>
     <p:spTree>
@@ -17566,7 +17654,7 @@
 </p:notes>
 </file>
 
-<file path=ppt/notesSlides/notesSlide14.xml><?xml version="1.0" encoding="utf-8"?>
+<file path=ppt/notesSlides/notesSlide15.xml><?xml version="1.0" encoding="utf-8"?>
 <p:notes xmlns:a="http://schemas.openxmlformats.org/drawingml/2006/main" xmlns:r="http://schemas.openxmlformats.org/officeDocument/2006/relationships" xmlns:p="http://schemas.openxmlformats.org/presentationml/2006/main">
   <p:cSld>
     <p:spTree>
@@ -17650,140 +17738,6 @@
 </p:notes>
 </file>
 
-<file path=ppt/notesSlides/notesSlide15.xml><?xml version="1.0" encoding="utf-8"?>
-<p:notes xmlns:a="http://schemas.openxmlformats.org/drawingml/2006/main" xmlns:r="http://schemas.openxmlformats.org/officeDocument/2006/relationships" xmlns:p="http://schemas.openxmlformats.org/presentationml/2006/main">
-  <p:cSld>
-    <p:spTree>
-      <p:nvGrpSpPr>
-        <p:cNvPr id="1" name=""/>
-        <p:cNvGrpSpPr/>
-        <p:nvPr/>
-      </p:nvGrpSpPr>
-      <p:grpSpPr>
-        <a:xfrm>
-          <a:off x="0" y="0"/>
-          <a:ext cx="0" cy="0"/>
-          <a:chOff x="0" y="0"/>
-          <a:chExt cx="0" cy="0"/>
-        </a:xfrm>
-      </p:grpSpPr>
-      <p:sp>
-        <p:nvSpPr>
-          <p:cNvPr id="2" name="幻灯片图像占位符 1"/>
-          <p:cNvSpPr>
-            <a:spLocks noGrp="1" noRot="1" noChangeAspect="1"/>
-          </p:cNvSpPr>
-          <p:nvPr>
-            <p:ph type="sldImg"/>
-          </p:nvPr>
-        </p:nvSpPr>
-        <p:spPr/>
-      </p:sp>
-      <p:sp>
-        <p:nvSpPr>
-          <p:cNvPr id="3" name="备注占位符 2"/>
-          <p:cNvSpPr>
-            <a:spLocks noGrp="1"/>
-          </p:cNvSpPr>
-          <p:nvPr>
-            <p:ph type="body" idx="1"/>
-          </p:nvPr>
-        </p:nvSpPr>
-        <p:spPr/>
-        <p:txBody>
-          <a:bodyPr/>
-          <a:lstStyle/>
-          <a:p>
-            <a:r>
-              <a:rPr lang="en-US" altLang="zh-CN" sz="1200" b="0" i="0" kern="1200" dirty="0">
-                <a:solidFill>
-                  <a:schemeClr val="tx1"/>
-                </a:solidFill>
-                <a:effectLst/>
-                <a:latin typeface="+mn-lt"/>
-                <a:ea typeface="+mn-ea"/>
-                <a:cs typeface="+mn-cs"/>
-              </a:rPr>
-              <a:t>Most of the supporting files for the hives are in the %</a:t>
-            </a:r>
-            <a:r>
-              <a:rPr lang="en-US" altLang="zh-CN" sz="1200" b="0" i="0" kern="1200" dirty="0" err="1">
-                <a:solidFill>
-                  <a:schemeClr val="tx1"/>
-                </a:solidFill>
-                <a:effectLst/>
-                <a:latin typeface="+mn-lt"/>
-                <a:ea typeface="+mn-ea"/>
-                <a:cs typeface="+mn-cs"/>
-              </a:rPr>
-              <a:t>SystemRoot</a:t>
-            </a:r>
-            <a:r>
-              <a:rPr lang="en-US" altLang="zh-CN" sz="1200" b="0" i="0" kern="1200" dirty="0">
-                <a:solidFill>
-                  <a:schemeClr val="tx1"/>
-                </a:solidFill>
-                <a:effectLst/>
-                <a:latin typeface="+mn-lt"/>
-                <a:ea typeface="+mn-ea"/>
-                <a:cs typeface="+mn-cs"/>
-              </a:rPr>
-              <a:t>%\System32\Config directory. </a:t>
-            </a:r>
-          </a:p>
-          <a:p>
-            <a:r>
-              <a:rPr lang="en-US" altLang="zh-CN" sz="1200" b="0" i="0" kern="1200" dirty="0">
-                <a:solidFill>
-                  <a:schemeClr val="tx1"/>
-                </a:solidFill>
-                <a:effectLst/>
-                <a:latin typeface="+mn-lt"/>
-                <a:ea typeface="+mn-ea"/>
-                <a:cs typeface="+mn-cs"/>
-              </a:rPr>
-              <a:t>These files are updated each time a user logs on</a:t>
-            </a:r>
-            <a:endParaRPr lang="zh-CN" altLang="en-US" dirty="0"/>
-          </a:p>
-        </p:txBody>
-      </p:sp>
-      <p:sp>
-        <p:nvSpPr>
-          <p:cNvPr id="4" name="灯片编号占位符 3"/>
-          <p:cNvSpPr>
-            <a:spLocks noGrp="1"/>
-          </p:cNvSpPr>
-          <p:nvPr>
-            <p:ph type="sldNum" sz="quarter" idx="5"/>
-          </p:nvPr>
-        </p:nvSpPr>
-        <p:spPr/>
-        <p:txBody>
-          <a:bodyPr/>
-          <a:lstStyle/>
-          <a:p>
-            <a:fld id="{FF6B7014-1CA7-42FF-9E69-87C27AE33F47}" type="slidenum">
-              <a:rPr lang="zh-CN" altLang="en-US" smtClean="0"/>
-              <a:t>32</a:t>
-            </a:fld>
-            <a:endParaRPr lang="zh-CN" altLang="en-US"/>
-          </a:p>
-        </p:txBody>
-      </p:sp>
-    </p:spTree>
-    <p:extLst>
-      <p:ext uri="{BB962C8B-B14F-4D97-AF65-F5344CB8AC3E}">
-        <p14:creationId xmlns:p14="http://schemas.microsoft.com/office/powerpoint/2010/main" val="1537333672"/>
-      </p:ext>
-    </p:extLst>
-  </p:cSld>
-  <p:clrMapOvr>
-    <a:masterClrMapping/>
-  </p:clrMapOvr>
-</p:notes>
-</file>
-
 <file path=ppt/notesSlides/notesSlide16.xml><?xml version="1.0" encoding="utf-8"?>
 <p:notes xmlns:a="http://schemas.openxmlformats.org/drawingml/2006/main" xmlns:r="http://schemas.openxmlformats.org/officeDocument/2006/relationships" xmlns:p="http://schemas.openxmlformats.org/presentationml/2006/main">
   <p:cSld>
@@ -17899,7 +17853,7 @@
           <a:p>
             <a:fld id="{FF6B7014-1CA7-42FF-9E69-87C27AE33F47}" type="slidenum">
               <a:rPr lang="zh-CN" altLang="en-US" smtClean="0"/>
-              <a:t>33</a:t>
+              <a:t>32</a:t>
             </a:fld>
             <a:endParaRPr lang="zh-CN" altLang="en-US"/>
           </a:p>
@@ -17908,7 +17862,7 @@
     </p:spTree>
     <p:extLst>
       <p:ext uri="{BB962C8B-B14F-4D97-AF65-F5344CB8AC3E}">
-        <p14:creationId xmlns:p14="http://schemas.microsoft.com/office/powerpoint/2010/main" val="1936138412"/>
+        <p14:creationId xmlns:p14="http://schemas.microsoft.com/office/powerpoint/2010/main" val="1537333672"/>
       </p:ext>
     </p:extLst>
   </p:cSld>
@@ -17963,21 +17917,56 @@
           <a:lstStyle/>
           <a:p>
             <a:r>
-              <a:rPr lang="en-US" altLang="zh-CN" dirty="0"/>
-              <a:t>https://docs.microsoft.com/en-us/windows/win32/sysinfo/registry</a:t>
+              <a:rPr lang="en-US" altLang="zh-CN" sz="1200" b="0" i="0" kern="1200" dirty="0">
+                <a:solidFill>
+                  <a:schemeClr val="tx1"/>
+                </a:solidFill>
+                <a:effectLst/>
+                <a:latin typeface="+mn-lt"/>
+                <a:ea typeface="+mn-ea"/>
+                <a:cs typeface="+mn-cs"/>
+              </a:rPr>
+              <a:t>Most of the supporting files for the hives are in the %</a:t>
+            </a:r>
+            <a:r>
+              <a:rPr lang="en-US" altLang="zh-CN" sz="1200" b="0" i="0" kern="1200" dirty="0" err="1">
+                <a:solidFill>
+                  <a:schemeClr val="tx1"/>
+                </a:solidFill>
+                <a:effectLst/>
+                <a:latin typeface="+mn-lt"/>
+                <a:ea typeface="+mn-ea"/>
+                <a:cs typeface="+mn-cs"/>
+              </a:rPr>
+              <a:t>SystemRoot</a:t>
+            </a:r>
+            <a:r>
+              <a:rPr lang="en-US" altLang="zh-CN" sz="1200" b="0" i="0" kern="1200" dirty="0">
+                <a:solidFill>
+                  <a:schemeClr val="tx1"/>
+                </a:solidFill>
+                <a:effectLst/>
+                <a:latin typeface="+mn-lt"/>
+                <a:ea typeface="+mn-ea"/>
+                <a:cs typeface="+mn-cs"/>
+              </a:rPr>
+              <a:t>%\System32\Config directory. </a:t>
             </a:r>
           </a:p>
           <a:p>
-            <a:endParaRPr lang="en-US" altLang="zh-CN" dirty="0"/>
-          </a:p>
-          <a:p>
-            <a:r>
-              <a:rPr lang="en-US" altLang="zh-CN" dirty="0"/>
-              <a:t>A hive is a logical group of keys, subkeys, and values in the registry that has a set of supporting files loaded into memory when the operating system is started or a user logs in.</a:t>
-            </a:r>
-          </a:p>
-          <a:p>
-            <a:endParaRPr lang="en-US" altLang="zh-CN" dirty="0"/>
+            <a:r>
+              <a:rPr lang="en-US" altLang="zh-CN" sz="1200" b="0" i="0" kern="1200" dirty="0">
+                <a:solidFill>
+                  <a:schemeClr val="tx1"/>
+                </a:solidFill>
+                <a:effectLst/>
+                <a:latin typeface="+mn-lt"/>
+                <a:ea typeface="+mn-ea"/>
+                <a:cs typeface="+mn-cs"/>
+              </a:rPr>
+              <a:t>These files are updated each time a user logs on</a:t>
+            </a:r>
+            <a:endParaRPr lang="zh-CN" altLang="en-US" dirty="0"/>
           </a:p>
         </p:txBody>
       </p:sp>
@@ -17998,7 +17987,7 @@
           <a:p>
             <a:fld id="{FF6B7014-1CA7-42FF-9E69-87C27AE33F47}" type="slidenum">
               <a:rPr lang="zh-CN" altLang="en-US" smtClean="0"/>
-              <a:t>34</a:t>
+              <a:t>33</a:t>
             </a:fld>
             <a:endParaRPr lang="zh-CN" altLang="en-US"/>
           </a:p>
@@ -18007,7 +17996,7 @@
     </p:spTree>
     <p:extLst>
       <p:ext uri="{BB962C8B-B14F-4D97-AF65-F5344CB8AC3E}">
-        <p14:creationId xmlns:p14="http://schemas.microsoft.com/office/powerpoint/2010/main" val="692336995"/>
+        <p14:creationId xmlns:p14="http://schemas.microsoft.com/office/powerpoint/2010/main" val="1936138412"/>
       </p:ext>
     </p:extLst>
   </p:cSld>
@@ -18062,56 +18051,21 @@
           <a:lstStyle/>
           <a:p>
             <a:r>
-              <a:rPr lang="en-US" altLang="zh-CN" sz="1200" b="0" i="0" kern="1200" dirty="0">
-                <a:solidFill>
-                  <a:schemeClr val="tx1"/>
-                </a:solidFill>
-                <a:effectLst/>
-                <a:latin typeface="+mn-lt"/>
-                <a:ea typeface="+mn-ea"/>
-                <a:cs typeface="+mn-cs"/>
-              </a:rPr>
-              <a:t>Most of the supporting files for the hives are in the %</a:t>
-            </a:r>
-            <a:r>
-              <a:rPr lang="en-US" altLang="zh-CN" sz="1200" b="0" i="0" kern="1200" dirty="0" err="1">
-                <a:solidFill>
-                  <a:schemeClr val="tx1"/>
-                </a:solidFill>
-                <a:effectLst/>
-                <a:latin typeface="+mn-lt"/>
-                <a:ea typeface="+mn-ea"/>
-                <a:cs typeface="+mn-cs"/>
-              </a:rPr>
-              <a:t>SystemRoot</a:t>
-            </a:r>
-            <a:r>
-              <a:rPr lang="en-US" altLang="zh-CN" sz="1200" b="0" i="0" kern="1200" dirty="0">
-                <a:solidFill>
-                  <a:schemeClr val="tx1"/>
-                </a:solidFill>
-                <a:effectLst/>
-                <a:latin typeface="+mn-lt"/>
-                <a:ea typeface="+mn-ea"/>
-                <a:cs typeface="+mn-cs"/>
-              </a:rPr>
-              <a:t>%\System32\Config directory. </a:t>
+              <a:rPr lang="en-US" altLang="zh-CN" dirty="0"/>
+              <a:t>https://docs.microsoft.com/en-us/windows/win32/sysinfo/registry</a:t>
             </a:r>
           </a:p>
           <a:p>
-            <a:r>
-              <a:rPr lang="en-US" altLang="zh-CN" sz="1200" b="0" i="0" kern="1200" dirty="0">
-                <a:solidFill>
-                  <a:schemeClr val="tx1"/>
-                </a:solidFill>
-                <a:effectLst/>
-                <a:latin typeface="+mn-lt"/>
-                <a:ea typeface="+mn-ea"/>
-                <a:cs typeface="+mn-cs"/>
-              </a:rPr>
-              <a:t>These files are updated each time a user logs on</a:t>
-            </a:r>
-            <a:endParaRPr lang="zh-CN" altLang="en-US" dirty="0"/>
+            <a:endParaRPr lang="en-US" altLang="zh-CN" dirty="0"/>
+          </a:p>
+          <a:p>
+            <a:r>
+              <a:rPr lang="en-US" altLang="zh-CN" dirty="0"/>
+              <a:t>A hive is a logical group of keys, subkeys, and values in the registry that has a set of supporting files loaded into memory when the operating system is started or a user logs in.</a:t>
+            </a:r>
+          </a:p>
+          <a:p>
+            <a:endParaRPr lang="en-US" altLang="zh-CN" dirty="0"/>
           </a:p>
         </p:txBody>
       </p:sp>
@@ -18132,7 +18086,7 @@
           <a:p>
             <a:fld id="{FF6B7014-1CA7-42FF-9E69-87C27AE33F47}" type="slidenum">
               <a:rPr lang="zh-CN" altLang="en-US" smtClean="0"/>
-              <a:t>35</a:t>
+              <a:t>34</a:t>
             </a:fld>
             <a:endParaRPr lang="zh-CN" altLang="en-US"/>
           </a:p>
@@ -18141,7 +18095,7 @@
     </p:spTree>
     <p:extLst>
       <p:ext uri="{BB962C8B-B14F-4D97-AF65-F5344CB8AC3E}">
-        <p14:creationId xmlns:p14="http://schemas.microsoft.com/office/powerpoint/2010/main" val="3762025210"/>
+        <p14:creationId xmlns:p14="http://schemas.microsoft.com/office/powerpoint/2010/main" val="692336995"/>
       </p:ext>
     </p:extLst>
   </p:cSld>
@@ -18266,7 +18220,7 @@
           <a:p>
             <a:fld id="{FF6B7014-1CA7-42FF-9E69-87C27AE33F47}" type="slidenum">
               <a:rPr lang="zh-CN" altLang="en-US" smtClean="0"/>
-              <a:t>36</a:t>
+              <a:t>35</a:t>
             </a:fld>
             <a:endParaRPr lang="zh-CN" altLang="en-US"/>
           </a:p>
@@ -18275,7 +18229,7 @@
     </p:spTree>
     <p:extLst>
       <p:ext uri="{BB962C8B-B14F-4D97-AF65-F5344CB8AC3E}">
-        <p14:creationId xmlns:p14="http://schemas.microsoft.com/office/powerpoint/2010/main" val="3407143882"/>
+        <p14:creationId xmlns:p14="http://schemas.microsoft.com/office/powerpoint/2010/main" val="3762025210"/>
       </p:ext>
     </p:extLst>
   </p:cSld>
@@ -18370,6 +18324,140 @@
 </file>
 
 <file path=ppt/notesSlides/notesSlide20.xml><?xml version="1.0" encoding="utf-8"?>
+<p:notes xmlns:a="http://schemas.openxmlformats.org/drawingml/2006/main" xmlns:r="http://schemas.openxmlformats.org/officeDocument/2006/relationships" xmlns:p="http://schemas.openxmlformats.org/presentationml/2006/main">
+  <p:cSld>
+    <p:spTree>
+      <p:nvGrpSpPr>
+        <p:cNvPr id="1" name=""/>
+        <p:cNvGrpSpPr/>
+        <p:nvPr/>
+      </p:nvGrpSpPr>
+      <p:grpSpPr>
+        <a:xfrm>
+          <a:off x="0" y="0"/>
+          <a:ext cx="0" cy="0"/>
+          <a:chOff x="0" y="0"/>
+          <a:chExt cx="0" cy="0"/>
+        </a:xfrm>
+      </p:grpSpPr>
+      <p:sp>
+        <p:nvSpPr>
+          <p:cNvPr id="2" name="幻灯片图像占位符 1"/>
+          <p:cNvSpPr>
+            <a:spLocks noGrp="1" noRot="1" noChangeAspect="1"/>
+          </p:cNvSpPr>
+          <p:nvPr>
+            <p:ph type="sldImg"/>
+          </p:nvPr>
+        </p:nvSpPr>
+        <p:spPr/>
+      </p:sp>
+      <p:sp>
+        <p:nvSpPr>
+          <p:cNvPr id="3" name="备注占位符 2"/>
+          <p:cNvSpPr>
+            <a:spLocks noGrp="1"/>
+          </p:cNvSpPr>
+          <p:nvPr>
+            <p:ph type="body" idx="1"/>
+          </p:nvPr>
+        </p:nvSpPr>
+        <p:spPr/>
+        <p:txBody>
+          <a:bodyPr/>
+          <a:lstStyle/>
+          <a:p>
+            <a:r>
+              <a:rPr lang="en-US" altLang="zh-CN" sz="1200" b="0" i="0" kern="1200" dirty="0">
+                <a:solidFill>
+                  <a:schemeClr val="tx1"/>
+                </a:solidFill>
+                <a:effectLst/>
+                <a:latin typeface="+mn-lt"/>
+                <a:ea typeface="+mn-ea"/>
+                <a:cs typeface="+mn-cs"/>
+              </a:rPr>
+              <a:t>Most of the supporting files for the hives are in the %</a:t>
+            </a:r>
+            <a:r>
+              <a:rPr lang="en-US" altLang="zh-CN" sz="1200" b="0" i="0" kern="1200" dirty="0" err="1">
+                <a:solidFill>
+                  <a:schemeClr val="tx1"/>
+                </a:solidFill>
+                <a:effectLst/>
+                <a:latin typeface="+mn-lt"/>
+                <a:ea typeface="+mn-ea"/>
+                <a:cs typeface="+mn-cs"/>
+              </a:rPr>
+              <a:t>SystemRoot</a:t>
+            </a:r>
+            <a:r>
+              <a:rPr lang="en-US" altLang="zh-CN" sz="1200" b="0" i="0" kern="1200" dirty="0">
+                <a:solidFill>
+                  <a:schemeClr val="tx1"/>
+                </a:solidFill>
+                <a:effectLst/>
+                <a:latin typeface="+mn-lt"/>
+                <a:ea typeface="+mn-ea"/>
+                <a:cs typeface="+mn-cs"/>
+              </a:rPr>
+              <a:t>%\System32\Config directory. </a:t>
+            </a:r>
+          </a:p>
+          <a:p>
+            <a:r>
+              <a:rPr lang="en-US" altLang="zh-CN" sz="1200" b="0" i="0" kern="1200" dirty="0">
+                <a:solidFill>
+                  <a:schemeClr val="tx1"/>
+                </a:solidFill>
+                <a:effectLst/>
+                <a:latin typeface="+mn-lt"/>
+                <a:ea typeface="+mn-ea"/>
+                <a:cs typeface="+mn-cs"/>
+              </a:rPr>
+              <a:t>These files are updated each time a user logs on</a:t>
+            </a:r>
+            <a:endParaRPr lang="zh-CN" altLang="en-US" dirty="0"/>
+          </a:p>
+        </p:txBody>
+      </p:sp>
+      <p:sp>
+        <p:nvSpPr>
+          <p:cNvPr id="4" name="灯片编号占位符 3"/>
+          <p:cNvSpPr>
+            <a:spLocks noGrp="1"/>
+          </p:cNvSpPr>
+          <p:nvPr>
+            <p:ph type="sldNum" sz="quarter" idx="5"/>
+          </p:nvPr>
+        </p:nvSpPr>
+        <p:spPr/>
+        <p:txBody>
+          <a:bodyPr/>
+          <a:lstStyle/>
+          <a:p>
+            <a:fld id="{FF6B7014-1CA7-42FF-9E69-87C27AE33F47}" type="slidenum">
+              <a:rPr lang="zh-CN" altLang="en-US" smtClean="0"/>
+              <a:t>36</a:t>
+            </a:fld>
+            <a:endParaRPr lang="zh-CN" altLang="en-US"/>
+          </a:p>
+        </p:txBody>
+      </p:sp>
+    </p:spTree>
+    <p:extLst>
+      <p:ext uri="{BB962C8B-B14F-4D97-AF65-F5344CB8AC3E}">
+        <p14:creationId xmlns:p14="http://schemas.microsoft.com/office/powerpoint/2010/main" val="3407143882"/>
+      </p:ext>
+    </p:extLst>
+  </p:cSld>
+  <p:clrMapOvr>
+    <a:masterClrMapping/>
+  </p:clrMapOvr>
+</p:notes>
+</file>
+
+<file path=ppt/notesSlides/notesSlide21.xml><?xml version="1.0" encoding="utf-8"?>
 <p:notes xmlns:a="http://schemas.openxmlformats.org/drawingml/2006/main" xmlns:r="http://schemas.openxmlformats.org/officeDocument/2006/relationships" xmlns:p="http://schemas.openxmlformats.org/presentationml/2006/main">
   <p:cSld>
     <p:spTree>
@@ -18695,7 +18783,18 @@
           <a:bodyPr/>
           <a:lstStyle/>
           <a:p>
-            <a:endParaRPr lang="zh-CN" altLang="en-US" dirty="0"/>
+            <a:r>
+              <a:rPr lang="zh-CN" altLang="en-US" dirty="0"/>
+              <a:t>自己完善该 </a:t>
+            </a:r>
+            <a:r>
+              <a:rPr lang="en-US" altLang="zh-CN" dirty="0"/>
+              <a:t>slide</a:t>
+            </a:r>
+            <a:r>
+              <a:rPr lang="zh-CN" altLang="en-US" dirty="0"/>
+              <a:t>，以便应对考试</a:t>
+            </a:r>
           </a:p>
         </p:txBody>
       </p:sp>
@@ -18725,7 +18824,7 @@
     </p:spTree>
     <p:extLst>
       <p:ext uri="{BB962C8B-B14F-4D97-AF65-F5344CB8AC3E}">
-        <p14:creationId xmlns:p14="http://schemas.microsoft.com/office/powerpoint/2010/main" val="394695360"/>
+        <p14:creationId xmlns:p14="http://schemas.microsoft.com/office/powerpoint/2010/main" val="3427074959"/>
       </p:ext>
     </p:extLst>
   </p:cSld>
@@ -18779,27 +18878,6 @@
           <a:bodyPr/>
           <a:lstStyle/>
           <a:p>
-            <a:r>
-              <a:rPr lang="en-US" altLang="zh-CN" dirty="0"/>
-              <a:t>https://support.microsoft.com/en-us/help/305097/how-to-view-the-system-registry-by-using-64-bit-versions-of-windows</a:t>
-            </a:r>
-          </a:p>
-          <a:p>
-            <a:endParaRPr lang="en-US" altLang="zh-CN" dirty="0"/>
-          </a:p>
-          <a:p>
-            <a:r>
-              <a:rPr lang="en-US" altLang="zh-CN" dirty="0"/>
-              <a:t>You must close the 64-bit version of Registry Editor before you can open the 32-bit version (and vice versa) unless you start the second instance of Registry Editor with the -m switch. For example, if the 64-bit version of Registry Editor is already running, type %</a:t>
-            </a:r>
-            <a:r>
-              <a:rPr lang="en-US" altLang="zh-CN" dirty="0" err="1"/>
-              <a:t>systemroot</a:t>
-            </a:r>
-            <a:r>
-              <a:rPr lang="en-US" altLang="zh-CN" dirty="0"/>
-              <a:t>%\syswow64\regedit -m in step 2 to start the 32-bit version of Registry Editor.</a:t>
-            </a:r>
             <a:endParaRPr lang="zh-CN" altLang="en-US" dirty="0"/>
           </a:p>
         </p:txBody>
@@ -18830,6 +18908,111 @@
     </p:spTree>
     <p:extLst>
       <p:ext uri="{BB962C8B-B14F-4D97-AF65-F5344CB8AC3E}">
+        <p14:creationId xmlns:p14="http://schemas.microsoft.com/office/powerpoint/2010/main" val="394695360"/>
+      </p:ext>
+    </p:extLst>
+  </p:cSld>
+  <p:clrMapOvr>
+    <a:masterClrMapping/>
+  </p:clrMapOvr>
+</p:notes>
+</file>
+
+<file path=ppt/notesSlides/notesSlide7.xml><?xml version="1.0" encoding="utf-8"?>
+<p:notes xmlns:a="http://schemas.openxmlformats.org/drawingml/2006/main" xmlns:r="http://schemas.openxmlformats.org/officeDocument/2006/relationships" xmlns:p="http://schemas.openxmlformats.org/presentationml/2006/main">
+  <p:cSld>
+    <p:spTree>
+      <p:nvGrpSpPr>
+        <p:cNvPr id="1" name=""/>
+        <p:cNvGrpSpPr/>
+        <p:nvPr/>
+      </p:nvGrpSpPr>
+      <p:grpSpPr>
+        <a:xfrm>
+          <a:off x="0" y="0"/>
+          <a:ext cx="0" cy="0"/>
+          <a:chOff x="0" y="0"/>
+          <a:chExt cx="0" cy="0"/>
+        </a:xfrm>
+      </p:grpSpPr>
+      <p:sp>
+        <p:nvSpPr>
+          <p:cNvPr id="2" name="幻灯片图像占位符 1"/>
+          <p:cNvSpPr>
+            <a:spLocks noGrp="1" noRot="1" noChangeAspect="1"/>
+          </p:cNvSpPr>
+          <p:nvPr>
+            <p:ph type="sldImg"/>
+          </p:nvPr>
+        </p:nvSpPr>
+        <p:spPr/>
+      </p:sp>
+      <p:sp>
+        <p:nvSpPr>
+          <p:cNvPr id="3" name="备注占位符 2"/>
+          <p:cNvSpPr>
+            <a:spLocks noGrp="1"/>
+          </p:cNvSpPr>
+          <p:nvPr>
+            <p:ph type="body" idx="1"/>
+          </p:nvPr>
+        </p:nvSpPr>
+        <p:spPr/>
+        <p:txBody>
+          <a:bodyPr/>
+          <a:lstStyle/>
+          <a:p>
+            <a:r>
+              <a:rPr lang="en-US" altLang="zh-CN" dirty="0"/>
+              <a:t>https://support.microsoft.com/en-us/help/305097/how-to-view-the-system-registry-by-using-64-bit-versions-of-windows</a:t>
+            </a:r>
+          </a:p>
+          <a:p>
+            <a:endParaRPr lang="en-US" altLang="zh-CN" dirty="0"/>
+          </a:p>
+          <a:p>
+            <a:r>
+              <a:rPr lang="en-US" altLang="zh-CN" dirty="0"/>
+              <a:t>You must close the 64-bit version of Registry Editor before you can open the 32-bit version (and vice versa) unless you start the second instance of Registry Editor with the -m switch. For example, if the 64-bit version of Registry Editor is already running, type %</a:t>
+            </a:r>
+            <a:r>
+              <a:rPr lang="en-US" altLang="zh-CN" dirty="0" err="1"/>
+              <a:t>systemroot</a:t>
+            </a:r>
+            <a:r>
+              <a:rPr lang="en-US" altLang="zh-CN" dirty="0"/>
+              <a:t>%\syswow64\regedit -m in step 2 to start the 32-bit version of Registry Editor.</a:t>
+            </a:r>
+            <a:endParaRPr lang="zh-CN" altLang="en-US" dirty="0"/>
+          </a:p>
+        </p:txBody>
+      </p:sp>
+      <p:sp>
+        <p:nvSpPr>
+          <p:cNvPr id="4" name="灯片编号占位符 3"/>
+          <p:cNvSpPr>
+            <a:spLocks noGrp="1"/>
+          </p:cNvSpPr>
+          <p:nvPr>
+            <p:ph type="sldNum" sz="quarter" idx="5"/>
+          </p:nvPr>
+        </p:nvSpPr>
+        <p:spPr/>
+        <p:txBody>
+          <a:bodyPr/>
+          <a:lstStyle/>
+          <a:p>
+            <a:fld id="{FF6B7014-1CA7-42FF-9E69-87C27AE33F47}" type="slidenum">
+              <a:rPr lang="zh-CN" altLang="en-US" smtClean="0"/>
+              <a:t>7</a:t>
+            </a:fld>
+            <a:endParaRPr lang="zh-CN" altLang="en-US"/>
+          </a:p>
+        </p:txBody>
+      </p:sp>
+    </p:spTree>
+    <p:extLst>
+      <p:ext uri="{BB962C8B-B14F-4D97-AF65-F5344CB8AC3E}">
         <p14:creationId xmlns:p14="http://schemas.microsoft.com/office/powerpoint/2010/main" val="3781416324"/>
       </p:ext>
     </p:extLst>
@@ -18840,7 +19023,7 @@
 </p:notes>
 </file>
 
-<file path=ppt/notesSlides/notesSlide7.xml><?xml version="1.0" encoding="utf-8"?>
+<file path=ppt/notesSlides/notesSlide8.xml><?xml version="1.0" encoding="utf-8"?>
 <p:notes xmlns:a="http://schemas.openxmlformats.org/drawingml/2006/main" xmlns:r="http://schemas.openxmlformats.org/officeDocument/2006/relationships" xmlns:p="http://schemas.openxmlformats.org/presentationml/2006/main">
   <p:cSld>
     <p:spTree>
@@ -18924,96 +19107,6 @@
 </p:notes>
 </file>
 
-<file path=ppt/notesSlides/notesSlide8.xml><?xml version="1.0" encoding="utf-8"?>
-<p:notes xmlns:a="http://schemas.openxmlformats.org/drawingml/2006/main" xmlns:r="http://schemas.openxmlformats.org/officeDocument/2006/relationships" xmlns:p="http://schemas.openxmlformats.org/presentationml/2006/main">
-  <p:cSld>
-    <p:spTree>
-      <p:nvGrpSpPr>
-        <p:cNvPr id="1" name=""/>
-        <p:cNvGrpSpPr/>
-        <p:nvPr/>
-      </p:nvGrpSpPr>
-      <p:grpSpPr>
-        <a:xfrm>
-          <a:off x="0" y="0"/>
-          <a:ext cx="0" cy="0"/>
-          <a:chOff x="0" y="0"/>
-          <a:chExt cx="0" cy="0"/>
-        </a:xfrm>
-      </p:grpSpPr>
-      <p:sp>
-        <p:nvSpPr>
-          <p:cNvPr id="2" name="幻灯片图像占位符 1"/>
-          <p:cNvSpPr>
-            <a:spLocks noGrp="1" noRot="1" noChangeAspect="1"/>
-          </p:cNvSpPr>
-          <p:nvPr>
-            <p:ph type="sldImg"/>
-          </p:nvPr>
-        </p:nvSpPr>
-        <p:spPr/>
-      </p:sp>
-      <p:sp>
-        <p:nvSpPr>
-          <p:cNvPr id="3" name="备注占位符 2"/>
-          <p:cNvSpPr>
-            <a:spLocks noGrp="1"/>
-          </p:cNvSpPr>
-          <p:nvPr>
-            <p:ph type="body" idx="1"/>
-          </p:nvPr>
-        </p:nvSpPr>
-        <p:spPr/>
-        <p:txBody>
-          <a:bodyPr/>
-          <a:lstStyle/>
-          <a:p>
-            <a:r>
-              <a:rPr lang="en-US" altLang="zh-CN" dirty="0"/>
-              <a:t>SZ: Zero Terminated String</a:t>
-            </a:r>
-          </a:p>
-          <a:p>
-            <a:endParaRPr lang="zh-CN" altLang="en-US" dirty="0"/>
-          </a:p>
-        </p:txBody>
-      </p:sp>
-      <p:sp>
-        <p:nvSpPr>
-          <p:cNvPr id="4" name="灯片编号占位符 3"/>
-          <p:cNvSpPr>
-            <a:spLocks noGrp="1"/>
-          </p:cNvSpPr>
-          <p:nvPr>
-            <p:ph type="sldNum" sz="quarter" idx="5"/>
-          </p:nvPr>
-        </p:nvSpPr>
-        <p:spPr/>
-        <p:txBody>
-          <a:bodyPr/>
-          <a:lstStyle/>
-          <a:p>
-            <a:fld id="{FF6B7014-1CA7-42FF-9E69-87C27AE33F47}" type="slidenum">
-              <a:rPr lang="zh-CN" altLang="en-US" smtClean="0"/>
-              <a:t>12</a:t>
-            </a:fld>
-            <a:endParaRPr lang="zh-CN" altLang="en-US"/>
-          </a:p>
-        </p:txBody>
-      </p:sp>
-    </p:spTree>
-    <p:extLst>
-      <p:ext uri="{BB962C8B-B14F-4D97-AF65-F5344CB8AC3E}">
-        <p14:creationId xmlns:p14="http://schemas.microsoft.com/office/powerpoint/2010/main" val="2718474048"/>
-      </p:ext>
-    </p:extLst>
-  </p:cSld>
-  <p:clrMapOvr>
-    <a:masterClrMapping/>
-  </p:clrMapOvr>
-</p:notes>
-</file>
-
 <file path=ppt/notesSlides/notesSlide9.xml><?xml version="1.0" encoding="utf-8"?>
 <p:notes xmlns:a="http://schemas.openxmlformats.org/drawingml/2006/main" xmlns:r="http://schemas.openxmlformats.org/officeDocument/2006/relationships" xmlns:p="http://schemas.openxmlformats.org/presentationml/2006/main">
   <p:cSld>
@@ -19060,8 +19153,10 @@
           <a:p>
             <a:r>
               <a:rPr lang="en-US" altLang="zh-CN" dirty="0"/>
-              <a:t>https://docs.microsoft.com/en-us/windows/win32/sysinfo/registry-element-size-limits</a:t>
-            </a:r>
+              <a:t>SZ: Zero Terminated String</a:t>
+            </a:r>
+          </a:p>
+          <a:p>
             <a:endParaRPr lang="zh-CN" altLang="en-US" dirty="0"/>
           </a:p>
         </p:txBody>
@@ -19083,7 +19178,7 @@
           <a:p>
             <a:fld id="{FF6B7014-1CA7-42FF-9E69-87C27AE33F47}" type="slidenum">
               <a:rPr lang="zh-CN" altLang="en-US" smtClean="0"/>
-              <a:t>13</a:t>
+              <a:t>12</a:t>
             </a:fld>
             <a:endParaRPr lang="zh-CN" altLang="en-US"/>
           </a:p>
@@ -19092,7 +19187,7 @@
     </p:spTree>
     <p:extLst>
       <p:ext uri="{BB962C8B-B14F-4D97-AF65-F5344CB8AC3E}">
-        <p14:creationId xmlns:p14="http://schemas.microsoft.com/office/powerpoint/2010/main" val="4018149207"/>
+        <p14:creationId xmlns:p14="http://schemas.microsoft.com/office/powerpoint/2010/main" val="2718474048"/>
       </p:ext>
     </p:extLst>
   </p:cSld>
@@ -23523,7 +23618,7 @@
                 <a:latin typeface="Arial" panose="020B0604020202020204" pitchFamily="34" charset="0"/>
                 <a:cs typeface="Arial" panose="020B0604020202020204" pitchFamily="34" charset="0"/>
               </a:rPr>
-              <a:t>https://gitee.com/principlewindows/win-principle-2022</a:t>
+              <a:t>https://gitee.com/principlewindows/win-principle-2023</a:t>
             </a:r>
           </a:p>
         </p:txBody>
@@ -40932,7 +41027,7 @@
           <a:p>
             <a:r>
               <a:rPr lang="zh-CN" altLang="en-US" dirty="0"/>
-              <a:t>上机练习作业</a:t>
+              <a:t>上机练习</a:t>
             </a:r>
           </a:p>
         </p:txBody>
@@ -41794,6 +41889,142 @@
 </file>
 
 <file path=ppt/slides/slide5.xml><?xml version="1.0" encoding="utf-8"?>
+<p:sld xmlns:a="http://schemas.openxmlformats.org/drawingml/2006/main" xmlns:r="http://schemas.openxmlformats.org/officeDocument/2006/relationships" xmlns:p="http://schemas.openxmlformats.org/presentationml/2006/main">
+  <p:cSld>
+    <p:spTree>
+      <p:nvGrpSpPr>
+        <p:cNvPr id="1" name=""/>
+        <p:cNvGrpSpPr/>
+        <p:nvPr/>
+      </p:nvGrpSpPr>
+      <p:grpSpPr>
+        <a:xfrm>
+          <a:off x="0" y="0"/>
+          <a:ext cx="0" cy="0"/>
+          <a:chOff x="0" y="0"/>
+          <a:chExt cx="0" cy="0"/>
+        </a:xfrm>
+      </p:grpSpPr>
+      <p:sp>
+        <p:nvSpPr>
+          <p:cNvPr id="8194" name="Rectangle 2"/>
+          <p:cNvSpPr>
+            <a:spLocks noGrp="1" noChangeArrowheads="1"/>
+          </p:cNvSpPr>
+          <p:nvPr>
+            <p:ph type="title" idx="4294967295"/>
+          </p:nvPr>
+        </p:nvSpPr>
+        <p:spPr/>
+        <p:txBody>
+          <a:bodyPr/>
+          <a:lstStyle/>
+          <a:p>
+            <a:pPr eaLnBrk="1" hangingPunct="1"/>
+            <a:r>
+              <a:rPr lang="en-US" altLang="zh-CN" dirty="0">
+                <a:latin typeface="Times New Roman" panose="02020603050405020304" pitchFamily="18" charset="0"/>
+              </a:rPr>
+              <a:t>REGEDIT </a:t>
+            </a:r>
+            <a:r>
+              <a:rPr lang="zh-CN" altLang="en-US" dirty="0">
+                <a:latin typeface="宋体" panose="02010600030101010101" pitchFamily="2" charset="-122"/>
+              </a:rPr>
+              <a:t>概述总结</a:t>
+            </a:r>
+            <a:r>
+              <a:rPr lang="zh-CN" altLang="en-US" dirty="0"/>
+              <a:t> </a:t>
+            </a:r>
+          </a:p>
+        </p:txBody>
+      </p:sp>
+      <p:sp>
+        <p:nvSpPr>
+          <p:cNvPr id="8195" name="Rectangle 3"/>
+          <p:cNvSpPr>
+            <a:spLocks noGrp="1" noChangeArrowheads="1"/>
+          </p:cNvSpPr>
+          <p:nvPr>
+            <p:ph type="body" sz="quarter" idx="10"/>
+          </p:nvPr>
+        </p:nvSpPr>
+        <p:spPr/>
+        <p:txBody>
+          <a:bodyPr>
+            <a:normAutofit/>
+          </a:bodyPr>
+          <a:lstStyle/>
+          <a:p>
+            <a:pPr eaLnBrk="1" hangingPunct="1"/>
+            <a:r>
+              <a:rPr lang="zh-CN" altLang="en-US" sz="2400" dirty="0">
+                <a:latin typeface="宋体" panose="02010600030101010101" pitchFamily="2" charset="-122"/>
+              </a:rPr>
+              <a:t> 优点</a:t>
+            </a:r>
+            <a:r>
+              <a:rPr lang="zh-CN" altLang="en-US" sz="2400" dirty="0"/>
+              <a:t> </a:t>
+            </a:r>
+          </a:p>
+          <a:p>
+            <a:pPr eaLnBrk="1" hangingPunct="1"/>
+            <a:r>
+              <a:rPr lang="zh-CN" altLang="en-US" sz="2400" dirty="0"/>
+              <a:t> 不足</a:t>
+            </a:r>
+          </a:p>
+          <a:p>
+            <a:pPr lvl="1" eaLnBrk="1" hangingPunct="1"/>
+            <a:r>
+              <a:rPr lang="zh-CN" altLang="en-US" sz="2400" dirty="0">
+                <a:latin typeface="宋体" panose="02010600030101010101" pitchFamily="2" charset="-122"/>
+              </a:rPr>
+              <a:t> 安全</a:t>
+            </a:r>
+            <a:r>
+              <a:rPr lang="zh-CN" altLang="en-US" sz="2400" dirty="0"/>
+              <a:t> </a:t>
+            </a:r>
+          </a:p>
+          <a:p>
+            <a:pPr lvl="1" eaLnBrk="1" hangingPunct="1"/>
+            <a:r>
+              <a:rPr lang="zh-CN" altLang="en-US" sz="2400" dirty="0">
+                <a:latin typeface="宋体" panose="02010600030101010101" pitchFamily="2" charset="-122"/>
+              </a:rPr>
+              <a:t> 特殊数据类型</a:t>
+            </a:r>
+            <a:r>
+              <a:rPr lang="zh-CN" altLang="en-US" sz="2400" dirty="0"/>
+              <a:t> </a:t>
+            </a:r>
+          </a:p>
+          <a:p>
+            <a:pPr eaLnBrk="1" hangingPunct="1"/>
+            <a:endParaRPr lang="zh-CN" altLang="en-US" sz="2400" dirty="0"/>
+          </a:p>
+        </p:txBody>
+      </p:sp>
+    </p:spTree>
+    <p:extLst>
+      <p:ext uri="{BB962C8B-B14F-4D97-AF65-F5344CB8AC3E}">
+        <p14:creationId xmlns:p14="http://schemas.microsoft.com/office/powerpoint/2010/main" val="4040420205"/>
+      </p:ext>
+    </p:extLst>
+  </p:cSld>
+  <p:clrMapOvr>
+    <a:masterClrMapping/>
+  </p:clrMapOvr>
+  <p:transition>
+    <p:wipe dir="r"/>
+  </p:transition>
+</p:sld>
+</file>
+
+<file path=ppt/slides/slide6.xml><?xml version="1.0" encoding="utf-8"?>
 <p:sld xmlns:a="http://schemas.openxmlformats.org/drawingml/2006/main" xmlns:r="http://schemas.openxmlformats.org/officeDocument/2006/relationships" xmlns:p="http://schemas.openxmlformats.org/presentationml/2006/main">
   <p:cSld>
     <p:spTree>
@@ -43130,7 +43361,7 @@
 </p:sld>
 </file>
 
-<file path=ppt/slides/slide6.xml><?xml version="1.0" encoding="utf-8"?>
+<file path=ppt/slides/slide7.xml><?xml version="1.0" encoding="utf-8"?>
 <p:sld xmlns:a="http://schemas.openxmlformats.org/drawingml/2006/main" xmlns:r="http://schemas.openxmlformats.org/officeDocument/2006/relationships" xmlns:p="http://schemas.openxmlformats.org/presentationml/2006/main">
   <p:cSld>
     <p:spTree>
@@ -43232,7 +43463,15 @@
             <a:pPr lvl="1"/>
             <a:r>
               <a:rPr lang="en-US" altLang="zh-CN" sz="2400" dirty="0"/>
-              <a:t> Click Start, and then click Run</a:t>
+              <a:t> Click Start, and then click Run </a:t>
+            </a:r>
+            <a:r>
+              <a:rPr lang="zh-CN" altLang="en-US" sz="2400" dirty="0"/>
+              <a:t>或 </a:t>
+            </a:r>
+            <a:r>
+              <a:rPr lang="en-US" altLang="zh-CN" sz="2400" dirty="0"/>
+              <a:t>&lt;WIN&gt; + r</a:t>
             </a:r>
           </a:p>
           <a:p>
@@ -43266,142 +43505,6 @@
   <p:clrMapOvr>
     <a:masterClrMapping/>
   </p:clrMapOvr>
-</p:sld>
-</file>
-
-<file path=ppt/slides/slide7.xml><?xml version="1.0" encoding="utf-8"?>
-<p:sld xmlns:a="http://schemas.openxmlformats.org/drawingml/2006/main" xmlns:r="http://schemas.openxmlformats.org/officeDocument/2006/relationships" xmlns:p="http://schemas.openxmlformats.org/presentationml/2006/main">
-  <p:cSld>
-    <p:spTree>
-      <p:nvGrpSpPr>
-        <p:cNvPr id="1" name=""/>
-        <p:cNvGrpSpPr/>
-        <p:nvPr/>
-      </p:nvGrpSpPr>
-      <p:grpSpPr>
-        <a:xfrm>
-          <a:off x="0" y="0"/>
-          <a:ext cx="0" cy="0"/>
-          <a:chOff x="0" y="0"/>
-          <a:chExt cx="0" cy="0"/>
-        </a:xfrm>
-      </p:grpSpPr>
-      <p:sp>
-        <p:nvSpPr>
-          <p:cNvPr id="8194" name="Rectangle 2"/>
-          <p:cNvSpPr>
-            <a:spLocks noGrp="1" noChangeArrowheads="1"/>
-          </p:cNvSpPr>
-          <p:nvPr>
-            <p:ph type="title" idx="4294967295"/>
-          </p:nvPr>
-        </p:nvSpPr>
-        <p:spPr/>
-        <p:txBody>
-          <a:bodyPr/>
-          <a:lstStyle/>
-          <a:p>
-            <a:pPr eaLnBrk="1" hangingPunct="1"/>
-            <a:r>
-              <a:rPr lang="en-US" altLang="zh-CN" dirty="0">
-                <a:latin typeface="Times New Roman" panose="02020603050405020304" pitchFamily="18" charset="0"/>
-              </a:rPr>
-              <a:t>REGEDIT </a:t>
-            </a:r>
-            <a:r>
-              <a:rPr lang="zh-CN" altLang="en-US" dirty="0">
-                <a:latin typeface="宋体" panose="02010600030101010101" pitchFamily="2" charset="-122"/>
-              </a:rPr>
-              <a:t>概述</a:t>
-            </a:r>
-            <a:r>
-              <a:rPr lang="zh-CN" altLang="en-US" dirty="0"/>
-              <a:t> </a:t>
-            </a:r>
-          </a:p>
-        </p:txBody>
-      </p:sp>
-      <p:sp>
-        <p:nvSpPr>
-          <p:cNvPr id="8195" name="Rectangle 3"/>
-          <p:cNvSpPr>
-            <a:spLocks noGrp="1" noChangeArrowheads="1"/>
-          </p:cNvSpPr>
-          <p:nvPr>
-            <p:ph type="body" sz="quarter" idx="10"/>
-          </p:nvPr>
-        </p:nvSpPr>
-        <p:spPr/>
-        <p:txBody>
-          <a:bodyPr>
-            <a:normAutofit/>
-          </a:bodyPr>
-          <a:lstStyle/>
-          <a:p>
-            <a:pPr eaLnBrk="1" hangingPunct="1"/>
-            <a:r>
-              <a:rPr lang="zh-CN" altLang="en-US" sz="2400" dirty="0">
-                <a:latin typeface="宋体" panose="02010600030101010101" pitchFamily="2" charset="-122"/>
-              </a:rPr>
-              <a:t> 优点</a:t>
-            </a:r>
-            <a:r>
-              <a:rPr lang="zh-CN" altLang="en-US" sz="2400" dirty="0"/>
-              <a:t> </a:t>
-            </a:r>
-          </a:p>
-          <a:p>
-            <a:pPr eaLnBrk="1" hangingPunct="1"/>
-            <a:r>
-              <a:rPr lang="zh-CN" altLang="en-US" sz="2400" dirty="0"/>
-              <a:t> 不足</a:t>
-            </a:r>
-          </a:p>
-          <a:p>
-            <a:pPr lvl="1" eaLnBrk="1" hangingPunct="1"/>
-            <a:r>
-              <a:rPr lang="zh-CN" altLang="en-US" sz="2400" dirty="0">
-                <a:latin typeface="宋体" panose="02010600030101010101" pitchFamily="2" charset="-122"/>
-              </a:rPr>
-              <a:t> 安全</a:t>
-            </a:r>
-            <a:r>
-              <a:rPr lang="zh-CN" altLang="en-US" sz="2400" dirty="0"/>
-              <a:t> </a:t>
-            </a:r>
-          </a:p>
-          <a:p>
-            <a:pPr lvl="1" eaLnBrk="1" hangingPunct="1"/>
-            <a:r>
-              <a:rPr lang="zh-CN" altLang="en-US" sz="2400" dirty="0">
-                <a:latin typeface="宋体" panose="02010600030101010101" pitchFamily="2" charset="-122"/>
-              </a:rPr>
-              <a:t> 特殊数据类型</a:t>
-            </a:r>
-            <a:r>
-              <a:rPr lang="zh-CN" altLang="en-US" sz="2400" dirty="0"/>
-              <a:t> </a:t>
-            </a:r>
-          </a:p>
-          <a:p>
-            <a:pPr eaLnBrk="1" hangingPunct="1"/>
-            <a:endParaRPr lang="zh-CN" altLang="en-US" sz="2400" dirty="0"/>
-          </a:p>
-        </p:txBody>
-      </p:sp>
-    </p:spTree>
-    <p:extLst>
-      <p:ext uri="{BB962C8B-B14F-4D97-AF65-F5344CB8AC3E}">
-        <p14:creationId xmlns:p14="http://schemas.microsoft.com/office/powerpoint/2010/main" val="4040420205"/>
-      </p:ext>
-    </p:extLst>
-  </p:cSld>
-  <p:clrMapOvr>
-    <a:masterClrMapping/>
-  </p:clrMapOvr>
-  <p:transition>
-    <p:wipe dir="r"/>
-  </p:transition>
 </p:sld>
 </file>
 
